--- a/Excercises_Compute_Storage_BigQuery.pptx
+++ b/Excercises_Compute_Storage_BigQuery.pptx
@@ -3930,15 +3930,15 @@
           <a:p>
             <a:r>
               <a:rPr lang="en-US" dirty="0"/>
-              <a:t>Install </a:t>
-            </a:r>
-            <a:r>
-              <a:rPr lang="en-US" dirty="0" err="1"/>
-              <a:t>samtools</a:t>
-            </a:r>
-            <a:r>
-              <a:rPr lang="en-US" dirty="0"/>
-              <a:t> on a VM</a:t>
+              <a:t>Install docker </a:t>
+            </a:r>
+            <a:r>
+              <a:rPr lang="en-US"/>
+              <a:t>and python3.7 </a:t>
+            </a:r>
+            <a:r>
+              <a:rPr lang="en-US" dirty="0"/>
+              <a:t>on a VM</a:t>
             </a:r>
           </a:p>
           <a:p>
